--- a/授業資料/演習課題：list.pptx
+++ b/授業資料/演習課題：list.pptx
@@ -260,7 +260,7 @@
           <a:p>
             <a:fld id="{5B96D3F8-CD2E-4A0D-AC38-517181EABB18}" type="datetimeFigureOut">
               <a:rPr kumimoji="1" lang="ja-JP" altLang="en-US" smtClean="0"/>
-              <a:t>2024/10/16</a:t>
+              <a:t>2024/10/21</a:t>
             </a:fld>
             <a:endParaRPr kumimoji="1" lang="ja-JP" altLang="en-US"/>
           </a:p>
@@ -462,7 +462,7 @@
           <a:p>
             <a:fld id="{5B96D3F8-CD2E-4A0D-AC38-517181EABB18}" type="datetimeFigureOut">
               <a:rPr kumimoji="1" lang="ja-JP" altLang="en-US" smtClean="0"/>
-              <a:t>2024/10/16</a:t>
+              <a:t>2024/10/21</a:t>
             </a:fld>
             <a:endParaRPr kumimoji="1" lang="ja-JP" altLang="en-US"/>
           </a:p>
@@ -674,7 +674,7 @@
           <a:p>
             <a:fld id="{5B96D3F8-CD2E-4A0D-AC38-517181EABB18}" type="datetimeFigureOut">
               <a:rPr kumimoji="1" lang="ja-JP" altLang="en-US" smtClean="0"/>
-              <a:t>2024/10/16</a:t>
+              <a:t>2024/10/21</a:t>
             </a:fld>
             <a:endParaRPr kumimoji="1" lang="ja-JP" altLang="en-US"/>
           </a:p>
@@ -876,7 +876,7 @@
           <a:p>
             <a:fld id="{5B96D3F8-CD2E-4A0D-AC38-517181EABB18}" type="datetimeFigureOut">
               <a:rPr kumimoji="1" lang="ja-JP" altLang="en-US" smtClean="0"/>
-              <a:t>2024/10/16</a:t>
+              <a:t>2024/10/21</a:t>
             </a:fld>
             <a:endParaRPr kumimoji="1" lang="ja-JP" altLang="en-US"/>
           </a:p>
@@ -1122,7 +1122,7 @@
           <a:p>
             <a:fld id="{5B96D3F8-CD2E-4A0D-AC38-517181EABB18}" type="datetimeFigureOut">
               <a:rPr kumimoji="1" lang="ja-JP" altLang="en-US" smtClean="0"/>
-              <a:t>2024/10/16</a:t>
+              <a:t>2024/10/21</a:t>
             </a:fld>
             <a:endParaRPr kumimoji="1" lang="ja-JP" altLang="en-US"/>
           </a:p>
@@ -1418,7 +1418,7 @@
           <a:p>
             <a:fld id="{5B96D3F8-CD2E-4A0D-AC38-517181EABB18}" type="datetimeFigureOut">
               <a:rPr kumimoji="1" lang="ja-JP" altLang="en-US" smtClean="0"/>
-              <a:t>2024/10/16</a:t>
+              <a:t>2024/10/21</a:t>
             </a:fld>
             <a:endParaRPr kumimoji="1" lang="ja-JP" altLang="en-US"/>
           </a:p>
@@ -1849,7 +1849,7 @@
           <a:p>
             <a:fld id="{5B96D3F8-CD2E-4A0D-AC38-517181EABB18}" type="datetimeFigureOut">
               <a:rPr kumimoji="1" lang="ja-JP" altLang="en-US" smtClean="0"/>
-              <a:t>2024/10/16</a:t>
+              <a:t>2024/10/21</a:t>
             </a:fld>
             <a:endParaRPr kumimoji="1" lang="ja-JP" altLang="en-US"/>
           </a:p>
@@ -1967,7 +1967,7 @@
           <a:p>
             <a:fld id="{5B96D3F8-CD2E-4A0D-AC38-517181EABB18}" type="datetimeFigureOut">
               <a:rPr kumimoji="1" lang="ja-JP" altLang="en-US" smtClean="0"/>
-              <a:t>2024/10/16</a:t>
+              <a:t>2024/10/21</a:t>
             </a:fld>
             <a:endParaRPr kumimoji="1" lang="ja-JP" altLang="en-US"/>
           </a:p>
@@ -2062,7 +2062,7 @@
           <a:p>
             <a:fld id="{5B96D3F8-CD2E-4A0D-AC38-517181EABB18}" type="datetimeFigureOut">
               <a:rPr kumimoji="1" lang="ja-JP" altLang="en-US" smtClean="0"/>
-              <a:t>2024/10/16</a:t>
+              <a:t>2024/10/21</a:t>
             </a:fld>
             <a:endParaRPr kumimoji="1" lang="ja-JP" altLang="en-US"/>
           </a:p>
@@ -2371,7 +2371,7 @@
           <a:p>
             <a:fld id="{5B96D3F8-CD2E-4A0D-AC38-517181EABB18}" type="datetimeFigureOut">
               <a:rPr kumimoji="1" lang="ja-JP" altLang="en-US" smtClean="0"/>
-              <a:t>2024/10/16</a:t>
+              <a:t>2024/10/21</a:t>
             </a:fld>
             <a:endParaRPr kumimoji="1" lang="ja-JP" altLang="en-US"/>
           </a:p>
@@ -2628,7 +2628,7 @@
           <a:p>
             <a:fld id="{5B96D3F8-CD2E-4A0D-AC38-517181EABB18}" type="datetimeFigureOut">
               <a:rPr kumimoji="1" lang="ja-JP" altLang="en-US" smtClean="0"/>
-              <a:t>2024/10/16</a:t>
+              <a:t>2024/10/21</a:t>
             </a:fld>
             <a:endParaRPr kumimoji="1" lang="ja-JP" altLang="en-US"/>
           </a:p>
@@ -2873,7 +2873,7 @@
           <a:p>
             <a:fld id="{5B96D3F8-CD2E-4A0D-AC38-517181EABB18}" type="datetimeFigureOut">
               <a:rPr kumimoji="1" lang="ja-JP" altLang="en-US" smtClean="0"/>
-              <a:t>2024/10/16</a:t>
+              <a:t>2024/10/21</a:t>
             </a:fld>
             <a:endParaRPr kumimoji="1" lang="ja-JP" altLang="en-US"/>
           </a:p>
@@ -7831,7 +7831,15 @@
             </a:br>
             <a:r>
               <a:rPr lang="ja-JP" altLang="en-US" dirty="0"/>
-              <a:t>になるようにする</a:t>
+              <a:t>になるようにする（</a:t>
+            </a:r>
+            <a:r>
+              <a:rPr lang="en-US" altLang="ja-JP" dirty="0"/>
+              <a:t>※</a:t>
+            </a:r>
+            <a:r>
+              <a:rPr lang="ja-JP" altLang="en-US" dirty="0"/>
+              <a:t>処理は後述）</a:t>
             </a:r>
             <a:br>
               <a:rPr lang="en-US" altLang="ja-JP" dirty="0"/>
@@ -8958,7 +8966,7 @@
                 <a:solidFill>
                   <a:srgbClr val="00B050"/>
                 </a:solidFill>
-                <a:ea typeface="ＭＳ ゴシック" panose="020B0609070205080204" pitchFamily="49" charset="-128"/>
+                <a:latin typeface="+mn-ea"/>
               </a:rPr>
               <a:t>//li2</a:t>
             </a:r>
@@ -8967,7 +8975,7 @@
                 <a:solidFill>
                   <a:srgbClr val="00B050"/>
                 </a:solidFill>
-                <a:ea typeface="ＭＳ ゴシック" panose="020B0609070205080204" pitchFamily="49" charset="-128"/>
+                <a:latin typeface="+mn-ea"/>
               </a:rPr>
               <a:t>の先頭に追加して連結する方法</a:t>
             </a:r>
@@ -9034,7 +9042,7 @@
                 <a:solidFill>
                   <a:srgbClr val="00B050"/>
                 </a:solidFill>
-                <a:ea typeface="ＭＳ ゴシック" panose="020B0609070205080204" pitchFamily="49" charset="-128"/>
+                <a:latin typeface="+mn-ea"/>
               </a:rPr>
               <a:t>//</a:t>
             </a:r>
@@ -9043,7 +9051,7 @@
                 <a:solidFill>
                   <a:srgbClr val="00B050"/>
                 </a:solidFill>
-                <a:ea typeface="ＭＳ ゴシック" panose="020B0609070205080204" pitchFamily="49" charset="-128"/>
+                <a:latin typeface="+mn-ea"/>
               </a:rPr>
               <a:t>リバース（逆）イテレータを使って</a:t>
             </a:r>
@@ -9061,7 +9069,7 @@
                 <a:solidFill>
                   <a:srgbClr val="00B050"/>
                 </a:solidFill>
-                <a:ea typeface="ＭＳ ゴシック" panose="020B0609070205080204" pitchFamily="49" charset="-128"/>
+                <a:latin typeface="+mn-ea"/>
               </a:rPr>
               <a:t>の末尾から取り出す</a:t>
             </a:r>
@@ -9069,7 +9077,7 @@
               <a:solidFill>
                 <a:srgbClr val="00B050"/>
               </a:solidFill>
-              <a:ea typeface="ＭＳ ゴシック" panose="020B0609070205080204" pitchFamily="49" charset="-128"/>
+              <a:latin typeface="+mn-ea"/>
             </a:endParaRPr>
           </a:p>
           <a:p>

--- a/授業資料/演習課題：list.pptx
+++ b/授業資料/演習課題：list.pptx
@@ -260,7 +260,7 @@
           <a:p>
             <a:fld id="{5B96D3F8-CD2E-4A0D-AC38-517181EABB18}" type="datetimeFigureOut">
               <a:rPr kumimoji="1" lang="ja-JP" altLang="en-US" smtClean="0"/>
-              <a:t>2024/10/21</a:t>
+              <a:t>2024/10/22</a:t>
             </a:fld>
             <a:endParaRPr kumimoji="1" lang="ja-JP" altLang="en-US"/>
           </a:p>
@@ -462,7 +462,7 @@
           <a:p>
             <a:fld id="{5B96D3F8-CD2E-4A0D-AC38-517181EABB18}" type="datetimeFigureOut">
               <a:rPr kumimoji="1" lang="ja-JP" altLang="en-US" smtClean="0"/>
-              <a:t>2024/10/21</a:t>
+              <a:t>2024/10/22</a:t>
             </a:fld>
             <a:endParaRPr kumimoji="1" lang="ja-JP" altLang="en-US"/>
           </a:p>
@@ -674,7 +674,7 @@
           <a:p>
             <a:fld id="{5B96D3F8-CD2E-4A0D-AC38-517181EABB18}" type="datetimeFigureOut">
               <a:rPr kumimoji="1" lang="ja-JP" altLang="en-US" smtClean="0"/>
-              <a:t>2024/10/21</a:t>
+              <a:t>2024/10/22</a:t>
             </a:fld>
             <a:endParaRPr kumimoji="1" lang="ja-JP" altLang="en-US"/>
           </a:p>
@@ -876,7 +876,7 @@
           <a:p>
             <a:fld id="{5B96D3F8-CD2E-4A0D-AC38-517181EABB18}" type="datetimeFigureOut">
               <a:rPr kumimoji="1" lang="ja-JP" altLang="en-US" smtClean="0"/>
-              <a:t>2024/10/21</a:t>
+              <a:t>2024/10/22</a:t>
             </a:fld>
             <a:endParaRPr kumimoji="1" lang="ja-JP" altLang="en-US"/>
           </a:p>
@@ -1122,7 +1122,7 @@
           <a:p>
             <a:fld id="{5B96D3F8-CD2E-4A0D-AC38-517181EABB18}" type="datetimeFigureOut">
               <a:rPr kumimoji="1" lang="ja-JP" altLang="en-US" smtClean="0"/>
-              <a:t>2024/10/21</a:t>
+              <a:t>2024/10/22</a:t>
             </a:fld>
             <a:endParaRPr kumimoji="1" lang="ja-JP" altLang="en-US"/>
           </a:p>
@@ -1418,7 +1418,7 @@
           <a:p>
             <a:fld id="{5B96D3F8-CD2E-4A0D-AC38-517181EABB18}" type="datetimeFigureOut">
               <a:rPr kumimoji="1" lang="ja-JP" altLang="en-US" smtClean="0"/>
-              <a:t>2024/10/21</a:t>
+              <a:t>2024/10/22</a:t>
             </a:fld>
             <a:endParaRPr kumimoji="1" lang="ja-JP" altLang="en-US"/>
           </a:p>
@@ -1849,7 +1849,7 @@
           <a:p>
             <a:fld id="{5B96D3F8-CD2E-4A0D-AC38-517181EABB18}" type="datetimeFigureOut">
               <a:rPr kumimoji="1" lang="ja-JP" altLang="en-US" smtClean="0"/>
-              <a:t>2024/10/21</a:t>
+              <a:t>2024/10/22</a:t>
             </a:fld>
             <a:endParaRPr kumimoji="1" lang="ja-JP" altLang="en-US"/>
           </a:p>
@@ -1967,7 +1967,7 @@
           <a:p>
             <a:fld id="{5B96D3F8-CD2E-4A0D-AC38-517181EABB18}" type="datetimeFigureOut">
               <a:rPr kumimoji="1" lang="ja-JP" altLang="en-US" smtClean="0"/>
-              <a:t>2024/10/21</a:t>
+              <a:t>2024/10/22</a:t>
             </a:fld>
             <a:endParaRPr kumimoji="1" lang="ja-JP" altLang="en-US"/>
           </a:p>
@@ -2062,7 +2062,7 @@
           <a:p>
             <a:fld id="{5B96D3F8-CD2E-4A0D-AC38-517181EABB18}" type="datetimeFigureOut">
               <a:rPr kumimoji="1" lang="ja-JP" altLang="en-US" smtClean="0"/>
-              <a:t>2024/10/21</a:t>
+              <a:t>2024/10/22</a:t>
             </a:fld>
             <a:endParaRPr kumimoji="1" lang="ja-JP" altLang="en-US"/>
           </a:p>
@@ -2371,7 +2371,7 @@
           <a:p>
             <a:fld id="{5B96D3F8-CD2E-4A0D-AC38-517181EABB18}" type="datetimeFigureOut">
               <a:rPr kumimoji="1" lang="ja-JP" altLang="en-US" smtClean="0"/>
-              <a:t>2024/10/21</a:t>
+              <a:t>2024/10/22</a:t>
             </a:fld>
             <a:endParaRPr kumimoji="1" lang="ja-JP" altLang="en-US"/>
           </a:p>
@@ -2628,7 +2628,7 @@
           <a:p>
             <a:fld id="{5B96D3F8-CD2E-4A0D-AC38-517181EABB18}" type="datetimeFigureOut">
               <a:rPr kumimoji="1" lang="ja-JP" altLang="en-US" smtClean="0"/>
-              <a:t>2024/10/21</a:t>
+              <a:t>2024/10/22</a:t>
             </a:fld>
             <a:endParaRPr kumimoji="1" lang="ja-JP" altLang="en-US"/>
           </a:p>
@@ -2873,7 +2873,7 @@
           <a:p>
             <a:fld id="{5B96D3F8-CD2E-4A0D-AC38-517181EABB18}" type="datetimeFigureOut">
               <a:rPr kumimoji="1" lang="ja-JP" altLang="en-US" smtClean="0"/>
-              <a:t>2024/10/21</a:t>
+              <a:t>2024/10/22</a:t>
             </a:fld>
             <a:endParaRPr kumimoji="1" lang="ja-JP" altLang="en-US"/>
           </a:p>
@@ -7723,16 +7723,8 @@
               <a:rPr lang="en-US" altLang="ja-JP" dirty="0"/>
             </a:br>
             <a:r>
-              <a:rPr lang="en-US" altLang="ja-JP" dirty="0">
-                <a:solidFill>
-                  <a:srgbClr val="00B0F0"/>
-                </a:solidFill>
-              </a:rPr>
-              <a:t>li1</a:t>
-            </a:r>
-            <a:r>
               <a:rPr lang="ja-JP" altLang="en-US" dirty="0"/>
-              <a:t>の内容が </a:t>
+              <a:t>データ列が </a:t>
             </a:r>
             <a:r>
               <a:rPr lang="en-US" altLang="ja-JP" dirty="0">
@@ -7859,16 +7851,8 @@
               <a:rPr lang="en-US" altLang="ja-JP" dirty="0"/>
             </a:br>
             <a:r>
-              <a:rPr lang="en-US" altLang="ja-JP" dirty="0">
-                <a:solidFill>
-                  <a:srgbClr val="00B0F0"/>
-                </a:solidFill>
-              </a:rPr>
-              <a:t>li1</a:t>
-            </a:r>
-            <a:r>
               <a:rPr lang="ja-JP" altLang="en-US" dirty="0"/>
-              <a:t>の内容が </a:t>
+              <a:t>データ列が </a:t>
             </a:r>
             <a:r>
               <a:rPr lang="en-US" altLang="ja-JP" dirty="0">
